--- a/slides/GraphQLPowerPoint.pptx
+++ b/slides/GraphQLPowerPoint.pptx
@@ -5399,10 +5399,10 @@
       </p:par>
     </p:tnLst>
     <p:bldLst>
+      <p:bldP build="whole" bldLvl="1" animBg="1" rev="0" advAuto="0" spid="236" grpId="4"/>
+      <p:bldP build="whole" bldLvl="1" animBg="1" rev="0" advAuto="0" spid="239" grpId="3"/>
       <p:bldP build="whole" bldLvl="1" animBg="1" rev="0" advAuto="0" spid="238" grpId="1"/>
       <p:bldP build="whole" bldLvl="1" animBg="1" rev="0" advAuto="0" spid="238" grpId="2"/>
-      <p:bldP build="whole" bldLvl="1" animBg="1" rev="0" advAuto="0" spid="239" grpId="3"/>
-      <p:bldP build="whole" bldLvl="1" animBg="1" rev="0" advAuto="0" spid="236" grpId="4"/>
       <p:bldP build="whole" bldLvl="1" animBg="1" rev="0" advAuto="0" spid="240" grpId="5"/>
     </p:bldLst>
   </p:timing>
@@ -7122,8 +7122,8 @@
       </p:par>
     </p:tnLst>
     <p:bldLst>
+      <p:bldP build="whole" bldLvl="1" animBg="1" rev="0" advAuto="0" spid="277" grpId="2"/>
       <p:bldP build="whole" bldLvl="1" animBg="1" rev="0" advAuto="0" spid="276" grpId="1"/>
-      <p:bldP build="whole" bldLvl="1" animBg="1" rev="0" advAuto="0" spid="277" grpId="2"/>
     </p:bldLst>
   </p:timing>
 </p:sld>
@@ -7187,8 +7187,8 @@
         </p:nvSpPr>
         <p:spPr>
           <a:xfrm>
-            <a:off x="393700" y="3733799"/>
-            <a:ext cx="4726385" cy="2706739"/>
+            <a:off x="393700" y="3733800"/>
+            <a:ext cx="4726385" cy="2706738"/>
           </a:xfrm>
           <a:prstGeom prst="rect">
             <a:avLst/>
@@ -10313,7 +10313,7 @@
         <p:spPr>
           <a:xfrm>
             <a:off x="380999" y="3471936"/>
-            <a:ext cx="7961760" cy="2809728"/>
+            <a:ext cx="7671000" cy="2809728"/>
           </a:xfrm>
           <a:prstGeom prst="rect">
             <a:avLst/>
@@ -10346,26 +10346,16 @@
           </a:p>
         </p:txBody>
       </p:sp>
-      <p:pic>
-        <p:nvPicPr>
-          <p:cNvPr id="339" name="GraphQL_Logo.svg.png" descr="GraphQL_Logo.svg.png"/>
-          <p:cNvPicPr>
-            <a:picLocks noChangeAspect="1"/>
-          </p:cNvPicPr>
+      <p:sp>
+        <p:nvSpPr>
+          <p:cNvPr id="339" name="https://github.com/mauricio-chavez/superheroes-graphql-api"/>
+          <p:cNvSpPr txBox="1"/>
           <p:nvPr/>
-        </p:nvPicPr>
-        <p:blipFill>
-          <a:blip r:embed="rId2">
-            <a:extLst/>
-          </a:blip>
-          <a:stretch>
-            <a:fillRect/>
-          </a:stretch>
-        </p:blipFill>
+        </p:nvSpPr>
         <p:spPr>
           <a:xfrm>
-            <a:off x="6849712" y="4163259"/>
-            <a:ext cx="7000650" cy="7000651"/>
+            <a:off x="337007" y="6165849"/>
+            <a:ext cx="12330786" cy="685801"/>
           </a:xfrm>
           <a:prstGeom prst="rect">
             <a:avLst/>
@@ -10373,8 +10363,32 @@
           <a:ln w="12700">
             <a:miter lim="400000"/>
           </a:ln>
-        </p:spPr>
-      </p:pic>
+          <a:extLst>
+            <a:ext uri="{C572A759-6A51-4108-AA02-DFA0A04FC94B}">
+              <ma14:wrappingTextBoxFlag xmlns:ma14="http://schemas.microsoft.com/office/mac/drawingml/2011/main" val="1"/>
+            </a:ext>
+          </a:extLst>
+        </p:spPr>
+        <p:txBody>
+          <a:bodyPr wrap="none" lIns="50800" tIns="50800" rIns="50800" bIns="50800" anchor="ctr">
+            <a:spAutoFit/>
+          </a:bodyPr>
+          <a:lstStyle>
+            <a:lvl1pPr>
+              <a:spcBef>
+                <a:spcPts val="2800"/>
+              </a:spcBef>
+              <a:defRPr sz="3400"/>
+            </a:lvl1pPr>
+          </a:lstStyle>
+          <a:p>
+            <a:pPr/>
+            <a:r>
+              <a:t>https://github.com/mauricio-chavez/superheroes-graphql-api</a:t>
+            </a:r>
+          </a:p>
+        </p:txBody>
+      </p:sp>
     </p:spTree>
   </p:cSld>
   <p:clrMapOvr>
@@ -13213,9 +13227,9 @@
       </p:par>
     </p:tnLst>
     <p:bldLst>
+      <p:bldP build="whole" bldLvl="1" animBg="1" rev="0" advAuto="0" spid="225" grpId="3"/>
+      <p:bldP build="whole" bldLvl="1" animBg="1" rev="0" advAuto="0" spid="224" grpId="2"/>
       <p:bldP build="whole" bldLvl="1" animBg="1" rev="0" advAuto="0" spid="223" grpId="1"/>
-      <p:bldP build="whole" bldLvl="1" animBg="1" rev="0" advAuto="0" spid="224" grpId="2"/>
-      <p:bldP build="whole" bldLvl="1" animBg="1" rev="0" advAuto="0" spid="225" grpId="3"/>
       <p:bldP build="whole" bldLvl="1" animBg="1" rev="0" advAuto="0" spid="226" grpId="4"/>
       <p:bldP build="whole" bldLvl="1" animBg="1" rev="0" advAuto="0" spid="226" grpId="5"/>
       <p:bldP build="whole" bldLvl="1" animBg="1" rev="0" advAuto="0" spid="227" grpId="6"/>
